--- a/Later/Spring_Later/27_actuator/2/Spring Boot - Admin Server.pptx
+++ b/Later/Spring_Later/27_actuator/2/Spring Boot - Admin Server.pptx
@@ -193,7 +193,7 @@
           <a:p>
             <a:fld id="{62274EC6-3890-417B-9308-14EFBD00FA63}" type="datetimeFigureOut">
               <a:rPr lang="en-US" smtClean="0"/>
-              <a:t>4/7/2019</a:t>
+              <a:t>4/8/2019</a:t>
             </a:fld>
             <a:endParaRPr lang="en-US" dirty="0"/>
           </a:p>
@@ -821,7 +821,7 @@
             <a:fld id="{1D8BD707-D9CF-40AE-B4C6-C98DA3205C09}" type="datetimeFigureOut">
               <a:rPr lang="en-US" smtClean="0"/>
               <a:pPr/>
-              <a:t>4/7/2019</a:t>
+              <a:t>4/8/2019</a:t>
             </a:fld>
             <a:endParaRPr lang="en-US" dirty="0"/>
           </a:p>
@@ -993,7 +993,7 @@
             <a:fld id="{1D8BD707-D9CF-40AE-B4C6-C98DA3205C09}" type="datetimeFigureOut">
               <a:rPr lang="en-US" smtClean="0"/>
               <a:pPr/>
-              <a:t>4/7/2019</a:t>
+              <a:t>4/8/2019</a:t>
             </a:fld>
             <a:endParaRPr lang="en-US" dirty="0"/>
           </a:p>
@@ -1175,7 +1175,7 @@
             <a:fld id="{1D8BD707-D9CF-40AE-B4C6-C98DA3205C09}" type="datetimeFigureOut">
               <a:rPr lang="en-US" smtClean="0"/>
               <a:pPr/>
-              <a:t>4/7/2019</a:t>
+              <a:t>4/8/2019</a:t>
             </a:fld>
             <a:endParaRPr lang="en-US" dirty="0"/>
           </a:p>
@@ -1347,7 +1347,7 @@
             <a:fld id="{1D8BD707-D9CF-40AE-B4C6-C98DA3205C09}" type="datetimeFigureOut">
               <a:rPr lang="en-US" smtClean="0"/>
               <a:pPr/>
-              <a:t>4/7/2019</a:t>
+              <a:t>4/8/2019</a:t>
             </a:fld>
             <a:endParaRPr lang="en-US" dirty="0"/>
           </a:p>
@@ -1595,7 +1595,7 @@
             <a:fld id="{1D8BD707-D9CF-40AE-B4C6-C98DA3205C09}" type="datetimeFigureOut">
               <a:rPr lang="en-US" smtClean="0"/>
               <a:pPr/>
-              <a:t>4/7/2019</a:t>
+              <a:t>4/8/2019</a:t>
             </a:fld>
             <a:endParaRPr lang="en-US" dirty="0"/>
           </a:p>
@@ -1885,7 +1885,7 @@
             <a:fld id="{1D8BD707-D9CF-40AE-B4C6-C98DA3205C09}" type="datetimeFigureOut">
               <a:rPr lang="en-US" smtClean="0"/>
               <a:pPr/>
-              <a:t>4/7/2019</a:t>
+              <a:t>4/8/2019</a:t>
             </a:fld>
             <a:endParaRPr lang="en-US" dirty="0"/>
           </a:p>
@@ -2314,7 +2314,7 @@
             <a:fld id="{1D8BD707-D9CF-40AE-B4C6-C98DA3205C09}" type="datetimeFigureOut">
               <a:rPr lang="en-US" smtClean="0"/>
               <a:pPr/>
-              <a:t>4/7/2019</a:t>
+              <a:t>4/8/2019</a:t>
             </a:fld>
             <a:endParaRPr lang="en-US" dirty="0"/>
           </a:p>
@@ -2434,7 +2434,7 @@
             <a:fld id="{1D8BD707-D9CF-40AE-B4C6-C98DA3205C09}" type="datetimeFigureOut">
               <a:rPr lang="en-US" smtClean="0"/>
               <a:pPr/>
-              <a:t>4/7/2019</a:t>
+              <a:t>4/8/2019</a:t>
             </a:fld>
             <a:endParaRPr lang="en-US" dirty="0"/>
           </a:p>
@@ -2531,7 +2531,7 @@
             <a:fld id="{1D8BD707-D9CF-40AE-B4C6-C98DA3205C09}" type="datetimeFigureOut">
               <a:rPr lang="en-US" smtClean="0"/>
               <a:pPr/>
-              <a:t>4/7/2019</a:t>
+              <a:t>4/8/2019</a:t>
             </a:fld>
             <a:endParaRPr lang="en-US" dirty="0"/>
           </a:p>
@@ -2810,7 +2810,7 @@
             <a:fld id="{1D8BD707-D9CF-40AE-B4C6-C98DA3205C09}" type="datetimeFigureOut">
               <a:rPr lang="en-US" smtClean="0"/>
               <a:pPr/>
-              <a:t>4/7/2019</a:t>
+              <a:t>4/8/2019</a:t>
             </a:fld>
             <a:endParaRPr lang="en-US" dirty="0"/>
           </a:p>
@@ -3065,7 +3065,7 @@
             <a:fld id="{1D8BD707-D9CF-40AE-B4C6-C98DA3205C09}" type="datetimeFigureOut">
               <a:rPr lang="en-US" smtClean="0"/>
               <a:pPr/>
-              <a:t>4/7/2019</a:t>
+              <a:t>4/8/2019</a:t>
             </a:fld>
             <a:endParaRPr lang="en-US" dirty="0"/>
           </a:p>
@@ -3280,7 +3280,7 @@
             <a:fld id="{1D8BD707-D9CF-40AE-B4C6-C98DA3205C09}" type="datetimeFigureOut">
               <a:rPr lang="en-US" smtClean="0"/>
               <a:pPr/>
-              <a:t>4/7/2019</a:t>
+              <a:t>4/8/2019</a:t>
             </a:fld>
             <a:endParaRPr lang="en-US" dirty="0"/>
           </a:p>
@@ -4027,7 +4027,6 @@
               <a:rPr lang="en-US" sz="1200" dirty="0"/>
               <a:t> Team provides a Spring Boot Admin UI to manage and monitor all your Spring Boot application Actuator endpoints at one place.</a:t>
             </a:r>
-            <a:endParaRPr lang="en-US" sz="1200" dirty="0"/>
           </a:p>
         </p:txBody>
       </p:sp>
@@ -4097,6 +4096,46 @@
           </a:fontRef>
         </p:style>
       </p:cxnSp>
+      <p:sp>
+        <p:nvSpPr>
+          <p:cNvPr id="4" name="TextBox 3"/>
+          <p:cNvSpPr txBox="1"/>
+          <p:nvPr/>
+        </p:nvSpPr>
+        <p:spPr>
+          <a:xfrm>
+            <a:off x="5562600" y="2514600"/>
+            <a:ext cx="2775503" cy="646331"/>
+          </a:xfrm>
+          <a:prstGeom prst="rect">
+            <a:avLst/>
+          </a:prstGeom>
+          <a:noFill/>
+        </p:spPr>
+        <p:txBody>
+          <a:bodyPr wrap="none" rtlCol="0">
+            <a:spAutoFit/>
+          </a:bodyPr>
+          <a:lstStyle/>
+          <a:p>
+            <a:r>
+              <a:rPr lang="en-US" dirty="0" smtClean="0"/>
+              <a:t>Change the spring version </a:t>
+            </a:r>
+          </a:p>
+          <a:p>
+            <a:r>
+              <a:rPr lang="en-US" dirty="0" smtClean="0"/>
+              <a:t>And try check </a:t>
+            </a:r>
+            <a:r>
+              <a:rPr lang="en-US" smtClean="0"/>
+              <a:t>next example</a:t>
+            </a:r>
+            <a:endParaRPr lang="en-US"/>
+          </a:p>
+        </p:txBody>
+      </p:sp>
     </p:spTree>
     <p:extLst>
       <p:ext uri="{BB962C8B-B14F-4D97-AF65-F5344CB8AC3E}">
@@ -4528,7 +4567,6 @@
               <a:rPr lang="en-US" sz="1200" dirty="0"/>
               <a:t> annotation is used to make your as Admin Server to monitor all other microservices.</a:t>
             </a:r>
-            <a:endParaRPr lang="en-US" sz="1200" dirty="0"/>
           </a:p>
         </p:txBody>
       </p:sp>
